--- a/images/telematics.pptx
+++ b/images/telematics.pptx
@@ -905,7 +905,7 @@
       </p:grpSpPr>
       <p:sp>
         <p:nvSpPr>
-          <p:cNvPr id="83" name="Google Shape;83;g121f7c9e2c7_0_47:notes"/>
+          <p:cNvPr id="83" name="Google Shape;83;g124e95f2842_0_0:notes"/>
           <p:cNvSpPr/>
           <p:nvPr>
             <p:ph idx="2" type="sldImg"/>
@@ -940,7 +940,7 @@
       </p:sp>
       <p:sp>
         <p:nvSpPr>
-          <p:cNvPr id="84" name="Google Shape;84;g121f7c9e2c7_0_47:notes"/>
+          <p:cNvPr id="84" name="Google Shape;84;g124e95f2842_0_0:notes"/>
           <p:cNvSpPr txBox="1"/>
           <p:nvPr>
             <p:ph idx="1" type="body"/>
@@ -7893,7 +7893,7 @@
         </p:nvSpPr>
         <p:spPr>
           <a:xfrm>
-            <a:off x="2110050" y="2650525"/>
+            <a:off x="2088069" y="2716467"/>
             <a:ext cx="681300" cy="323100"/>
           </a:xfrm>
           <a:prstGeom prst="rect">
@@ -7927,616 +7927,512 @@
           </a:p>
         </p:txBody>
       </p:sp>
-      <p:grpSp>
-        <p:nvGrpSpPr>
+      <p:cxnSp>
+        <p:nvCxnSpPr>
           <p:cNvPr id="100" name="Google Shape;100;p15"/>
-          <p:cNvGrpSpPr/>
+          <p:cNvCxnSpPr/>
           <p:nvPr/>
-        </p:nvGrpSpPr>
-        <p:grpSpPr>
+        </p:nvCxnSpPr>
+        <p:spPr>
           <a:xfrm>
-            <a:off x="2853075" y="2161425"/>
-            <a:ext cx="2088225" cy="1546650"/>
-            <a:chOff x="3157875" y="2161425"/>
-            <a:chExt cx="2088225" cy="1546650"/>
+            <a:off x="1425000" y="3045463"/>
+            <a:ext cx="406800" cy="2400"/>
           </a:xfrm>
-        </p:grpSpPr>
-        <p:sp>
-          <p:nvSpPr>
-            <p:cNvPr id="101" name="Google Shape;101;p15"/>
-            <p:cNvSpPr/>
-            <p:nvPr/>
-          </p:nvSpPr>
-          <p:spPr>
-            <a:xfrm>
-              <a:off x="3157875" y="3179600"/>
-              <a:ext cx="1055075" cy="528475"/>
-            </a:xfrm>
-            <a:prstGeom prst="flowChartInputOutput">
-              <a:avLst/>
-            </a:prstGeom>
+          <a:prstGeom prst="straightConnector1">
+            <a:avLst/>
+          </a:prstGeom>
+          <a:noFill/>
+          <a:ln cap="flat" cmpd="sng" w="9525">
             <a:solidFill>
-              <a:srgbClr val="CFE2F3"/>
+              <a:schemeClr val="dk2"/>
             </a:solidFill>
-            <a:ln cap="flat" cmpd="sng" w="9525">
-              <a:solidFill>
-                <a:schemeClr val="dk2"/>
-              </a:solidFill>
-              <a:prstDash val="solid"/>
-              <a:round/>
-              <a:headEnd len="sm" w="sm" type="none"/>
-              <a:tailEnd len="sm" w="sm" type="none"/>
-            </a:ln>
-          </p:spPr>
-          <p:txBody>
-            <a:bodyPr anchorCtr="0" anchor="ctr" bIns="91425" lIns="91425" spcFirstLastPara="1" rIns="91425" wrap="square" tIns="91425">
-              <a:noAutofit/>
-            </a:bodyPr>
-            <a:lstStyle/>
-            <a:p>
-              <a:pPr indent="0" lvl="0" marL="0" rtl="0" algn="l">
-                <a:spcBef>
-                  <a:spcPts val="0"/>
-                </a:spcBef>
-                <a:spcAft>
-                  <a:spcPts val="0"/>
-                </a:spcAft>
-                <a:buNone/>
-              </a:pPr>
-              <a:r>
-                <a:t/>
-              </a:r>
-              <a:endParaRPr/>
-            </a:p>
-          </p:txBody>
-        </p:sp>
-        <p:sp>
-          <p:nvSpPr>
-            <p:cNvPr id="102" name="Google Shape;102;p15"/>
-            <p:cNvSpPr/>
-            <p:nvPr/>
-          </p:nvSpPr>
-          <p:spPr>
-            <a:xfrm>
-              <a:off x="3157875" y="3015525"/>
-              <a:ext cx="1055075" cy="528475"/>
-            </a:xfrm>
-            <a:prstGeom prst="flowChartInputOutput">
-              <a:avLst/>
-            </a:prstGeom>
+            <a:prstDash val="dash"/>
+            <a:round/>
+            <a:headEnd len="med" w="med" type="none"/>
+            <a:tailEnd len="med" w="med" type="none"/>
+          </a:ln>
+        </p:spPr>
+      </p:cxnSp>
+      <p:cxnSp>
+        <p:nvCxnSpPr>
+          <p:cNvPr id="101" name="Google Shape;101;p15"/>
+          <p:cNvCxnSpPr/>
+          <p:nvPr/>
+        </p:nvCxnSpPr>
+        <p:spPr>
+          <a:xfrm>
+            <a:off x="1425000" y="3858338"/>
+            <a:ext cx="406800" cy="2400"/>
+          </a:xfrm>
+          <a:prstGeom prst="straightConnector1">
+            <a:avLst/>
+          </a:prstGeom>
+          <a:noFill/>
+          <a:ln cap="flat" cmpd="sng" w="9525">
             <a:solidFill>
-              <a:srgbClr val="CFE2F3"/>
+              <a:schemeClr val="dk2"/>
             </a:solidFill>
-            <a:ln cap="flat" cmpd="sng" w="9525">
-              <a:solidFill>
-                <a:schemeClr val="dk2"/>
-              </a:solidFill>
-              <a:prstDash val="solid"/>
-              <a:round/>
-              <a:headEnd len="sm" w="sm" type="none"/>
-              <a:tailEnd len="sm" w="sm" type="none"/>
-            </a:ln>
-          </p:spPr>
-          <p:txBody>
-            <a:bodyPr anchorCtr="0" anchor="ctr" bIns="91425" lIns="91425" spcFirstLastPara="1" rIns="91425" wrap="square" tIns="91425">
-              <a:noAutofit/>
-            </a:bodyPr>
-            <a:lstStyle/>
-            <a:p>
-              <a:pPr indent="0" lvl="0" marL="0" rtl="0" algn="l">
-                <a:spcBef>
-                  <a:spcPts val="0"/>
-                </a:spcBef>
-                <a:spcAft>
-                  <a:spcPts val="0"/>
-                </a:spcAft>
-                <a:buNone/>
-              </a:pPr>
-              <a:r>
-                <a:t/>
-              </a:r>
-              <a:endParaRPr/>
-            </a:p>
-          </p:txBody>
-        </p:sp>
-        <p:sp>
-          <p:nvSpPr>
-            <p:cNvPr id="103" name="Google Shape;103;p15"/>
-            <p:cNvSpPr/>
-            <p:nvPr/>
-          </p:nvSpPr>
-          <p:spPr>
-            <a:xfrm>
-              <a:off x="3157875" y="2836588"/>
-              <a:ext cx="1055075" cy="528475"/>
-            </a:xfrm>
-            <a:prstGeom prst="flowChartInputOutput">
-              <a:avLst/>
-            </a:prstGeom>
+            <a:prstDash val="dash"/>
+            <a:round/>
+            <a:headEnd len="med" w="med" type="none"/>
+            <a:tailEnd len="med" w="med" type="none"/>
+          </a:ln>
+        </p:spPr>
+      </p:cxnSp>
+      <p:cxnSp>
+        <p:nvCxnSpPr>
+          <p:cNvPr id="102" name="Google Shape;102;p15"/>
+          <p:cNvCxnSpPr/>
+          <p:nvPr/>
+        </p:nvCxnSpPr>
+        <p:spPr>
+          <a:xfrm>
+            <a:off x="1831800" y="3049710"/>
+            <a:ext cx="0" cy="806700"/>
+          </a:xfrm>
+          <a:prstGeom prst="straightConnector1">
+            <a:avLst/>
+          </a:prstGeom>
+          <a:noFill/>
+          <a:ln cap="flat" cmpd="sng" w="9525">
             <a:solidFill>
-              <a:srgbClr val="CFE2F3"/>
+              <a:schemeClr val="dk2"/>
             </a:solidFill>
-            <a:ln cap="flat" cmpd="sng" w="9525">
-              <a:solidFill>
-                <a:schemeClr val="dk2"/>
-              </a:solidFill>
-              <a:prstDash val="solid"/>
-              <a:round/>
-              <a:headEnd len="sm" w="sm" type="none"/>
-              <a:tailEnd len="sm" w="sm" type="none"/>
-            </a:ln>
-          </p:spPr>
-          <p:txBody>
-            <a:bodyPr anchorCtr="0" anchor="ctr" bIns="91425" lIns="91425" spcFirstLastPara="1" rIns="91425" wrap="square" tIns="91425">
-              <a:noAutofit/>
-            </a:bodyPr>
-            <a:lstStyle/>
-            <a:p>
-              <a:pPr indent="0" lvl="0" marL="0" rtl="0" algn="l">
-                <a:spcBef>
-                  <a:spcPts val="0"/>
-                </a:spcBef>
-                <a:spcAft>
-                  <a:spcPts val="0"/>
-                </a:spcAft>
-                <a:buNone/>
-              </a:pPr>
-              <a:r>
-                <a:t/>
-              </a:r>
-              <a:endParaRPr/>
-            </a:p>
-          </p:txBody>
-        </p:sp>
-        <p:sp>
-          <p:nvSpPr>
-            <p:cNvPr id="104" name="Google Shape;104;p15"/>
-            <p:cNvSpPr/>
-            <p:nvPr/>
-          </p:nvSpPr>
-          <p:spPr>
-            <a:xfrm>
-              <a:off x="3157875" y="2651113"/>
-              <a:ext cx="1055075" cy="528475"/>
-            </a:xfrm>
-            <a:prstGeom prst="flowChartInputOutput">
-              <a:avLst/>
-            </a:prstGeom>
+            <a:prstDash val="dash"/>
+            <a:round/>
+            <a:headEnd len="med" w="med" type="none"/>
+            <a:tailEnd len="med" w="med" type="none"/>
+          </a:ln>
+        </p:spPr>
+      </p:cxnSp>
+      <p:sp>
+        <p:nvSpPr>
+          <p:cNvPr id="103" name="Google Shape;103;p15"/>
+          <p:cNvSpPr txBox="1"/>
+          <p:nvPr/>
+        </p:nvSpPr>
+        <p:spPr>
+          <a:xfrm>
+            <a:off x="1784238" y="3597517"/>
+            <a:ext cx="578700" cy="292500"/>
+          </a:xfrm>
+          <a:prstGeom prst="rect">
+            <a:avLst/>
+          </a:prstGeom>
+          <a:noFill/>
+          <a:ln>
+            <a:noFill/>
+          </a:ln>
+        </p:spPr>
+        <p:txBody>
+          <a:bodyPr anchorCtr="0" anchor="t" bIns="91425" lIns="91425" spcFirstLastPara="1" rIns="91425" wrap="square" tIns="91425">
+            <a:spAutoFit/>
+          </a:bodyPr>
+          <a:lstStyle/>
+          <a:p>
+            <a:pPr indent="0" lvl="0" marL="0" rtl="0" algn="l">
+              <a:spcBef>
+                <a:spcPts val="0"/>
+              </a:spcBef>
+              <a:spcAft>
+                <a:spcPts val="0"/>
+              </a:spcAft>
+              <a:buNone/>
+            </a:pPr>
+            <a:r>
+              <a:rPr lang="en" sz="700"/>
+              <a:t>window 2</a:t>
+            </a:r>
+            <a:endParaRPr sz="700"/>
+          </a:p>
+        </p:txBody>
+      </p:sp>
+      <p:cxnSp>
+        <p:nvCxnSpPr>
+          <p:cNvPr id="104" name="Google Shape;104;p15"/>
+          <p:cNvCxnSpPr/>
+          <p:nvPr/>
+        </p:nvCxnSpPr>
+        <p:spPr>
+          <a:xfrm flipH="1" rot="10800000">
+            <a:off x="1831800" y="3626813"/>
+            <a:ext cx="395700" cy="2400"/>
+          </a:xfrm>
+          <a:prstGeom prst="straightConnector1">
+            <a:avLst/>
+          </a:prstGeom>
+          <a:noFill/>
+          <a:ln cap="flat" cmpd="sng" w="9525">
             <a:solidFill>
-              <a:srgbClr val="D9EAD3"/>
+              <a:schemeClr val="dk2"/>
             </a:solidFill>
-            <a:ln cap="flat" cmpd="sng" w="9525">
-              <a:solidFill>
-                <a:schemeClr val="dk2"/>
-              </a:solidFill>
-              <a:prstDash val="solid"/>
-              <a:round/>
-              <a:headEnd len="sm" w="sm" type="none"/>
-              <a:tailEnd len="sm" w="sm" type="none"/>
-            </a:ln>
-          </p:spPr>
-          <p:txBody>
-            <a:bodyPr anchorCtr="0" anchor="ctr" bIns="91425" lIns="91425" spcFirstLastPara="1" rIns="91425" wrap="square" tIns="91425">
-              <a:noAutofit/>
-            </a:bodyPr>
-            <a:lstStyle/>
-            <a:p>
-              <a:pPr indent="0" lvl="0" marL="0" rtl="0" algn="l">
-                <a:spcBef>
-                  <a:spcPts val="0"/>
-                </a:spcBef>
-                <a:spcAft>
-                  <a:spcPts val="0"/>
-                </a:spcAft>
-                <a:buNone/>
-              </a:pPr>
-              <a:r>
-                <a:t/>
-              </a:r>
-              <a:endParaRPr/>
-            </a:p>
-          </p:txBody>
-        </p:sp>
-        <p:sp>
-          <p:nvSpPr>
-            <p:cNvPr id="105" name="Google Shape;105;p15"/>
-            <p:cNvSpPr/>
-            <p:nvPr/>
-          </p:nvSpPr>
-          <p:spPr>
-            <a:xfrm>
-              <a:off x="3157875" y="2483513"/>
-              <a:ext cx="1055075" cy="528475"/>
-            </a:xfrm>
-            <a:prstGeom prst="flowChartInputOutput">
-              <a:avLst/>
-            </a:prstGeom>
+            <a:prstDash val="dash"/>
+            <a:round/>
+            <a:headEnd len="med" w="med" type="none"/>
+            <a:tailEnd len="med" w="med" type="stealth"/>
+          </a:ln>
+        </p:spPr>
+      </p:cxnSp>
+      <p:cxnSp>
+        <p:nvCxnSpPr>
+          <p:cNvPr id="105" name="Google Shape;105;p15"/>
+          <p:cNvCxnSpPr/>
+          <p:nvPr/>
+        </p:nvCxnSpPr>
+        <p:spPr>
+          <a:xfrm flipH="1" rot="10800000">
+            <a:off x="4831828" y="3007650"/>
+            <a:ext cx="578700" cy="900"/>
+          </a:xfrm>
+          <a:prstGeom prst="straightConnector1">
+            <a:avLst/>
+          </a:prstGeom>
+          <a:noFill/>
+          <a:ln cap="flat" cmpd="sng" w="9525">
             <a:solidFill>
-              <a:srgbClr val="D9EAD3"/>
+              <a:schemeClr val="dk2"/>
             </a:solidFill>
-            <a:ln cap="flat" cmpd="sng" w="9525">
-              <a:solidFill>
-                <a:schemeClr val="dk2"/>
-              </a:solidFill>
-              <a:prstDash val="solid"/>
-              <a:round/>
-              <a:headEnd len="sm" w="sm" type="none"/>
-              <a:tailEnd len="sm" w="sm" type="none"/>
-            </a:ln>
-          </p:spPr>
-          <p:txBody>
-            <a:bodyPr anchorCtr="0" anchor="ctr" bIns="91425" lIns="91425" spcFirstLastPara="1" rIns="91425" wrap="square" tIns="91425">
-              <a:noAutofit/>
-            </a:bodyPr>
-            <a:lstStyle/>
-            <a:p>
-              <a:pPr indent="0" lvl="0" marL="0" rtl="0" algn="l">
-                <a:spcBef>
-                  <a:spcPts val="0"/>
-                </a:spcBef>
-                <a:spcAft>
-                  <a:spcPts val="0"/>
-                </a:spcAft>
-                <a:buNone/>
-              </a:pPr>
-              <a:r>
-                <a:t/>
-              </a:r>
-              <a:endParaRPr/>
-            </a:p>
-          </p:txBody>
-        </p:sp>
-        <p:sp>
-          <p:nvSpPr>
-            <p:cNvPr id="106" name="Google Shape;106;p15"/>
-            <p:cNvSpPr/>
-            <p:nvPr/>
-          </p:nvSpPr>
-          <p:spPr>
-            <a:xfrm>
-              <a:off x="3157875" y="2308113"/>
-              <a:ext cx="1055075" cy="528475"/>
-            </a:xfrm>
-            <a:prstGeom prst="flowChartInputOutput">
-              <a:avLst/>
-            </a:prstGeom>
+            <a:prstDash val="solid"/>
+            <a:round/>
+            <a:headEnd len="med" w="med" type="none"/>
+            <a:tailEnd len="med" w="med" type="stealth"/>
+          </a:ln>
+        </p:spPr>
+      </p:cxnSp>
+      <p:sp>
+        <p:nvSpPr>
+          <p:cNvPr id="106" name="Google Shape;106;p15"/>
+          <p:cNvSpPr/>
+          <p:nvPr/>
+        </p:nvSpPr>
+        <p:spPr>
+          <a:xfrm>
+            <a:off x="5564075" y="2792550"/>
+            <a:ext cx="942300" cy="431100"/>
+          </a:xfrm>
+          <a:prstGeom prst="roundRect">
+            <a:avLst>
+              <a:gd fmla="val 16667" name="adj"/>
+            </a:avLst>
+          </a:prstGeom>
+          <a:solidFill>
+            <a:schemeClr val="lt2"/>
+          </a:solidFill>
+          <a:ln cap="flat" cmpd="sng" w="9525">
             <a:solidFill>
-              <a:srgbClr val="D9EAD3"/>
+              <a:schemeClr val="dk2"/>
             </a:solidFill>
-            <a:ln cap="flat" cmpd="sng" w="9525">
-              <a:solidFill>
-                <a:schemeClr val="dk2"/>
-              </a:solidFill>
-              <a:prstDash val="solid"/>
-              <a:round/>
-              <a:headEnd len="sm" w="sm" type="none"/>
-              <a:tailEnd len="sm" w="sm" type="none"/>
-            </a:ln>
-          </p:spPr>
-          <p:txBody>
-            <a:bodyPr anchorCtr="0" anchor="ctr" bIns="91425" lIns="91425" spcFirstLastPara="1" rIns="91425" wrap="square" tIns="91425">
-              <a:noAutofit/>
-            </a:bodyPr>
-            <a:lstStyle/>
-            <a:p>
-              <a:pPr indent="0" lvl="0" marL="0" rtl="0" algn="l">
-                <a:spcBef>
-                  <a:spcPts val="0"/>
-                </a:spcBef>
-                <a:spcAft>
-                  <a:spcPts val="0"/>
-                </a:spcAft>
-                <a:buNone/>
-              </a:pPr>
-              <a:r>
-                <a:t/>
-              </a:r>
-              <a:endParaRPr/>
-            </a:p>
-          </p:txBody>
-        </p:sp>
-        <p:sp>
-          <p:nvSpPr>
-            <p:cNvPr id="107" name="Google Shape;107;p15"/>
-            <p:cNvSpPr txBox="1"/>
-            <p:nvPr/>
-          </p:nvSpPr>
-          <p:spPr>
-            <a:xfrm>
-              <a:off x="3311763" y="2295313"/>
-              <a:ext cx="747300" cy="554100"/>
-            </a:xfrm>
-            <a:prstGeom prst="rect">
-              <a:avLst/>
-            </a:prstGeom>
+            <a:prstDash val="solid"/>
+            <a:round/>
+            <a:headEnd len="sm" w="sm" type="none"/>
+            <a:tailEnd len="sm" w="sm" type="none"/>
+          </a:ln>
+        </p:spPr>
+        <p:txBody>
+          <a:bodyPr anchorCtr="0" anchor="ctr" bIns="91425" lIns="91425" spcFirstLastPara="1" rIns="91425" wrap="square" tIns="91425">
+            <a:noAutofit/>
+          </a:bodyPr>
+          <a:lstStyle/>
+          <a:p>
+            <a:pPr indent="0" lvl="0" marL="0" rtl="0" algn="ctr">
+              <a:spcBef>
+                <a:spcPts val="0"/>
+              </a:spcBef>
+              <a:spcAft>
+                <a:spcPts val="0"/>
+              </a:spcAft>
+              <a:buNone/>
+            </a:pPr>
+            <a:r>
+              <a:rPr lang="en" sz="1100"/>
+              <a:t>1D-</a:t>
+            </a:r>
+            <a:r>
+              <a:rPr lang="en" sz="1100"/>
+              <a:t>CNN</a:t>
+            </a:r>
+            <a:endParaRPr sz="1100"/>
+          </a:p>
+          <a:p>
+            <a:pPr indent="0" lvl="0" marL="0" rtl="0" algn="ctr">
+              <a:spcBef>
+                <a:spcPts val="0"/>
+              </a:spcBef>
+              <a:spcAft>
+                <a:spcPts val="0"/>
+              </a:spcAft>
+              <a:buNone/>
+            </a:pPr>
+            <a:r>
+              <a:rPr lang="en" sz="1100"/>
+              <a:t>6 channels</a:t>
+            </a:r>
+            <a:endParaRPr sz="1100"/>
+          </a:p>
+        </p:txBody>
+      </p:sp>
+      <p:cxnSp>
+        <p:nvCxnSpPr>
+          <p:cNvPr id="107" name="Google Shape;107;p15"/>
+          <p:cNvCxnSpPr/>
+          <p:nvPr/>
+        </p:nvCxnSpPr>
+        <p:spPr>
+          <a:xfrm>
+            <a:off x="6606129" y="3008400"/>
+            <a:ext cx="435000" cy="3000"/>
+          </a:xfrm>
+          <a:prstGeom prst="straightConnector1">
+            <a:avLst/>
+          </a:prstGeom>
+          <a:noFill/>
+          <a:ln cap="flat" cmpd="sng" w="9525">
+            <a:solidFill>
+              <a:schemeClr val="dk2"/>
+            </a:solidFill>
+            <a:prstDash val="solid"/>
+            <a:round/>
+            <a:headEnd len="med" w="med" type="none"/>
+            <a:tailEnd len="med" w="med" type="stealth"/>
+          </a:ln>
+        </p:spPr>
+      </p:cxnSp>
+      <p:sp>
+        <p:nvSpPr>
+          <p:cNvPr id="108" name="Google Shape;108;p15"/>
+          <p:cNvSpPr txBox="1"/>
+          <p:nvPr/>
+        </p:nvSpPr>
+        <p:spPr>
+          <a:xfrm>
+            <a:off x="7140879" y="2846550"/>
+            <a:ext cx="883500" cy="323100"/>
+          </a:xfrm>
+          <a:prstGeom prst="rect">
+            <a:avLst/>
+          </a:prstGeom>
+          <a:noFill/>
+          <a:ln>
             <a:noFill/>
-            <a:ln>
-              <a:noFill/>
-            </a:ln>
-          </p:spPr>
-          <p:txBody>
-            <a:bodyPr anchorCtr="0" anchor="t" bIns="91425" lIns="91425" spcFirstLastPara="1" rIns="91425" wrap="square" tIns="91425">
-              <a:spAutoFit/>
-            </a:bodyPr>
-            <a:lstStyle/>
-            <a:p>
-              <a:pPr indent="0" lvl="0" marL="0" rtl="0" algn="l">
-                <a:spcBef>
-                  <a:spcPts val="0"/>
-                </a:spcBef>
-                <a:spcAft>
-                  <a:spcPts val="0"/>
-                </a:spcAft>
-                <a:buNone/>
-              </a:pPr>
-              <a:r>
-                <a:rPr lang="en" sz="800"/>
-                <a:t>50 grids </a:t>
-              </a:r>
-              <a:br>
-                <a:rPr lang="en" sz="800"/>
-              </a:br>
-              <a:r>
-                <a:rPr lang="en" sz="800"/>
-                <a:t>(each grid is a time step)</a:t>
-              </a:r>
-              <a:endParaRPr sz="800"/>
-            </a:p>
-          </p:txBody>
-        </p:sp>
-        <p:sp>
-          <p:nvSpPr>
-            <p:cNvPr id="108" name="Google Shape;108;p15"/>
-            <p:cNvSpPr txBox="1"/>
-            <p:nvPr/>
-          </p:nvSpPr>
-          <p:spPr>
-            <a:xfrm>
-              <a:off x="4142700" y="2161425"/>
-              <a:ext cx="858600" cy="292500"/>
-            </a:xfrm>
-            <a:prstGeom prst="rect">
-              <a:avLst/>
-            </a:prstGeom>
+          </a:ln>
+        </p:spPr>
+        <p:txBody>
+          <a:bodyPr anchorCtr="0" anchor="t" bIns="91425" lIns="91425" spcFirstLastPara="1" rIns="91425" wrap="square" tIns="91425">
+            <a:spAutoFit/>
+          </a:bodyPr>
+          <a:lstStyle/>
+          <a:p>
+            <a:pPr indent="0" lvl="0" marL="0" rtl="0" algn="l">
+              <a:spcBef>
+                <a:spcPts val="0"/>
+              </a:spcBef>
+              <a:spcAft>
+                <a:spcPts val="0"/>
+              </a:spcAft>
+              <a:buNone/>
+            </a:pPr>
+            <a:r>
+              <a:rPr lang="en" sz="900"/>
+              <a:t>Driver labels</a:t>
+            </a:r>
+            <a:endParaRPr sz="900"/>
+          </a:p>
+        </p:txBody>
+      </p:sp>
+      <p:cxnSp>
+        <p:nvCxnSpPr>
+          <p:cNvPr id="109" name="Google Shape;109;p15"/>
+          <p:cNvCxnSpPr/>
+          <p:nvPr/>
+        </p:nvCxnSpPr>
+        <p:spPr>
+          <a:xfrm>
+            <a:off x="5871715" y="3344200"/>
+            <a:ext cx="0" cy="582900"/>
+          </a:xfrm>
+          <a:prstGeom prst="straightConnector1">
+            <a:avLst/>
+          </a:prstGeom>
+          <a:noFill/>
+          <a:ln cap="flat" cmpd="sng" w="9525">
+            <a:solidFill>
+              <a:schemeClr val="dk2"/>
+            </a:solidFill>
+            <a:prstDash val="solid"/>
+            <a:round/>
+            <a:headEnd len="med" w="med" type="none"/>
+            <a:tailEnd len="med" w="med" type="none"/>
+          </a:ln>
+        </p:spPr>
+      </p:cxnSp>
+      <p:cxnSp>
+        <p:nvCxnSpPr>
+          <p:cNvPr id="110" name="Google Shape;110;p15"/>
+          <p:cNvCxnSpPr/>
+          <p:nvPr/>
+        </p:nvCxnSpPr>
+        <p:spPr>
+          <a:xfrm flipH="1" rot="10800000">
+            <a:off x="5867317" y="3912531"/>
+            <a:ext cx="1195800" cy="9300"/>
+          </a:xfrm>
+          <a:prstGeom prst="straightConnector1">
+            <a:avLst/>
+          </a:prstGeom>
+          <a:noFill/>
+          <a:ln cap="flat" cmpd="sng" w="9525">
+            <a:solidFill>
+              <a:schemeClr val="dk2"/>
+            </a:solidFill>
+            <a:prstDash val="solid"/>
+            <a:round/>
+            <a:headEnd len="med" w="med" type="none"/>
+            <a:tailEnd len="med" w="med" type="stealth"/>
+          </a:ln>
+        </p:spPr>
+      </p:cxnSp>
+      <p:sp>
+        <p:nvSpPr>
+          <p:cNvPr id="111" name="Google Shape;111;p15"/>
+          <p:cNvSpPr txBox="1"/>
+          <p:nvPr/>
+        </p:nvSpPr>
+        <p:spPr>
+          <a:xfrm>
+            <a:off x="5887137" y="3875373"/>
+            <a:ext cx="1209000" cy="461700"/>
+          </a:xfrm>
+          <a:prstGeom prst="rect">
+            <a:avLst/>
+          </a:prstGeom>
+          <a:noFill/>
+          <a:ln>
             <a:noFill/>
-            <a:ln>
-              <a:noFill/>
-            </a:ln>
-          </p:spPr>
-          <p:txBody>
-            <a:bodyPr anchorCtr="0" anchor="t" bIns="91425" lIns="91425" spcFirstLastPara="1" rIns="91425" wrap="square" tIns="91425">
-              <a:spAutoFit/>
-            </a:bodyPr>
-            <a:lstStyle/>
-            <a:p>
-              <a:pPr indent="0" lvl="0" marL="0" rtl="0" algn="l">
-                <a:spcBef>
-                  <a:spcPts val="0"/>
-                </a:spcBef>
-                <a:spcAft>
-                  <a:spcPts val="0"/>
-                </a:spcAft>
-                <a:buNone/>
-              </a:pPr>
-              <a:r>
-                <a:rPr lang="en" sz="700"/>
-                <a:t>Accelerometer X</a:t>
-              </a:r>
-              <a:endParaRPr sz="700"/>
-            </a:p>
-          </p:txBody>
-        </p:sp>
-        <p:sp>
-          <p:nvSpPr>
-            <p:cNvPr id="109" name="Google Shape;109;p15"/>
-            <p:cNvSpPr txBox="1"/>
-            <p:nvPr/>
-          </p:nvSpPr>
-          <p:spPr>
-            <a:xfrm>
-              <a:off x="4142700" y="2332925"/>
-              <a:ext cx="858600" cy="292500"/>
-            </a:xfrm>
-            <a:prstGeom prst="rect">
-              <a:avLst/>
-            </a:prstGeom>
+          </a:ln>
+        </p:spPr>
+        <p:txBody>
+          <a:bodyPr anchorCtr="0" anchor="t" bIns="91425" lIns="91425" spcFirstLastPara="1" rIns="91425" wrap="square" tIns="91425">
+            <a:spAutoFit/>
+          </a:bodyPr>
+          <a:lstStyle/>
+          <a:p>
+            <a:pPr indent="0" lvl="0" marL="0" rtl="0" algn="l">
+              <a:spcBef>
+                <a:spcPts val="0"/>
+              </a:spcBef>
+              <a:spcAft>
+                <a:spcPts val="0"/>
+              </a:spcAft>
+              <a:buNone/>
+            </a:pPr>
+            <a:r>
+              <a:rPr lang="en" sz="900"/>
+              <a:t>Output from </a:t>
+            </a:r>
+            <a:endParaRPr sz="900"/>
+          </a:p>
+          <a:p>
+            <a:pPr indent="0" lvl="0" marL="0" rtl="0" algn="l">
+              <a:spcBef>
+                <a:spcPts val="0"/>
+              </a:spcBef>
+              <a:spcAft>
+                <a:spcPts val="0"/>
+              </a:spcAft>
+              <a:buNone/>
+            </a:pPr>
+            <a:r>
+              <a:rPr lang="en" sz="900"/>
+              <a:t>last hidden layer </a:t>
+            </a:r>
+            <a:endParaRPr sz="900"/>
+          </a:p>
+        </p:txBody>
+      </p:sp>
+      <p:sp>
+        <p:nvSpPr>
+          <p:cNvPr id="112" name="Google Shape;112;p15"/>
+          <p:cNvSpPr txBox="1"/>
+          <p:nvPr/>
+        </p:nvSpPr>
+        <p:spPr>
+          <a:xfrm>
+            <a:off x="7140865" y="3686325"/>
+            <a:ext cx="1480200" cy="461700"/>
+          </a:xfrm>
+          <a:prstGeom prst="rect">
+            <a:avLst/>
+          </a:prstGeom>
+          <a:noFill/>
+          <a:ln>
             <a:noFill/>
-            <a:ln>
-              <a:noFill/>
-            </a:ln>
-          </p:spPr>
-          <p:txBody>
-            <a:bodyPr anchorCtr="0" anchor="t" bIns="91425" lIns="91425" spcFirstLastPara="1" rIns="91425" wrap="square" tIns="91425">
-              <a:spAutoFit/>
-            </a:bodyPr>
-            <a:lstStyle/>
-            <a:p>
-              <a:pPr indent="0" lvl="0" marL="0" rtl="0" algn="l">
-                <a:spcBef>
-                  <a:spcPts val="0"/>
-                </a:spcBef>
-                <a:spcAft>
-                  <a:spcPts val="0"/>
-                </a:spcAft>
-                <a:buNone/>
-              </a:pPr>
-              <a:r>
-                <a:rPr lang="en" sz="700"/>
-                <a:t>Accelerometer Y</a:t>
-              </a:r>
-              <a:endParaRPr sz="700"/>
-            </a:p>
-          </p:txBody>
-        </p:sp>
-        <p:sp>
-          <p:nvSpPr>
-            <p:cNvPr id="110" name="Google Shape;110;p15"/>
-            <p:cNvSpPr txBox="1"/>
-            <p:nvPr/>
-          </p:nvSpPr>
-          <p:spPr>
-            <a:xfrm>
-              <a:off x="4142700" y="2499013"/>
-              <a:ext cx="858600" cy="292500"/>
-            </a:xfrm>
-            <a:prstGeom prst="rect">
-              <a:avLst/>
-            </a:prstGeom>
+          </a:ln>
+        </p:spPr>
+        <p:txBody>
+          <a:bodyPr anchorCtr="0" anchor="t" bIns="91425" lIns="91425" spcFirstLastPara="1" rIns="91425" wrap="square" tIns="91425">
+            <a:spAutoFit/>
+          </a:bodyPr>
+          <a:lstStyle/>
+          <a:p>
+            <a:pPr indent="0" lvl="0" marL="0" rtl="0" algn="l">
+              <a:spcBef>
+                <a:spcPts val="0"/>
+              </a:spcBef>
+              <a:spcAft>
+                <a:spcPts val="0"/>
+              </a:spcAft>
+              <a:buNone/>
+            </a:pPr>
+            <a:r>
+              <a:rPr lang="en" sz="900"/>
+              <a:t>Driving behavior features for more complex tasks</a:t>
+            </a:r>
+            <a:endParaRPr sz="900"/>
+          </a:p>
+        </p:txBody>
+      </p:sp>
+      <p:sp>
+        <p:nvSpPr>
+          <p:cNvPr id="113" name="Google Shape;113;p15"/>
+          <p:cNvSpPr txBox="1"/>
+          <p:nvPr/>
+        </p:nvSpPr>
+        <p:spPr>
+          <a:xfrm>
+            <a:off x="5871715" y="3465057"/>
+            <a:ext cx="1209000" cy="323100"/>
+          </a:xfrm>
+          <a:prstGeom prst="rect">
+            <a:avLst/>
+          </a:prstGeom>
+          <a:noFill/>
+          <a:ln>
             <a:noFill/>
-            <a:ln>
-              <a:noFill/>
-            </a:ln>
-          </p:spPr>
-          <p:txBody>
-            <a:bodyPr anchorCtr="0" anchor="t" bIns="91425" lIns="91425" spcFirstLastPara="1" rIns="91425" wrap="square" tIns="91425">
-              <a:spAutoFit/>
-            </a:bodyPr>
-            <a:lstStyle/>
-            <a:p>
-              <a:pPr indent="0" lvl="0" marL="0" rtl="0" algn="l">
-                <a:spcBef>
-                  <a:spcPts val="0"/>
-                </a:spcBef>
-                <a:spcAft>
-                  <a:spcPts val="0"/>
-                </a:spcAft>
-                <a:buNone/>
-              </a:pPr>
-              <a:r>
-                <a:rPr lang="en" sz="700"/>
-                <a:t>Accelerometer Z</a:t>
-              </a:r>
-              <a:endParaRPr sz="700"/>
-            </a:p>
-          </p:txBody>
-        </p:sp>
-        <p:sp>
-          <p:nvSpPr>
-            <p:cNvPr id="111" name="Google Shape;111;p15"/>
-            <p:cNvSpPr txBox="1"/>
-            <p:nvPr/>
-          </p:nvSpPr>
-          <p:spPr>
-            <a:xfrm>
-              <a:off x="4142700" y="2693050"/>
-              <a:ext cx="1103400" cy="292500"/>
-            </a:xfrm>
-            <a:prstGeom prst="rect">
-              <a:avLst/>
-            </a:prstGeom>
-            <a:noFill/>
-            <a:ln>
-              <a:noFill/>
-            </a:ln>
-          </p:spPr>
-          <p:txBody>
-            <a:bodyPr anchorCtr="0" anchor="t" bIns="91425" lIns="91425" spcFirstLastPara="1" rIns="91425" wrap="square" tIns="91425">
-              <a:spAutoFit/>
-            </a:bodyPr>
-            <a:lstStyle/>
-            <a:p>
-              <a:pPr indent="0" lvl="0" marL="0" rtl="0" algn="l">
-                <a:spcBef>
-                  <a:spcPts val="0"/>
-                </a:spcBef>
-                <a:spcAft>
-                  <a:spcPts val="0"/>
-                </a:spcAft>
-                <a:buNone/>
-              </a:pPr>
-              <a:r>
-                <a:rPr lang="en" sz="700"/>
-                <a:t>Accelerometer X (FTT)</a:t>
-              </a:r>
-              <a:endParaRPr sz="700"/>
-            </a:p>
-          </p:txBody>
-        </p:sp>
-        <p:sp>
-          <p:nvSpPr>
-            <p:cNvPr id="112" name="Google Shape;112;p15"/>
-            <p:cNvSpPr txBox="1"/>
-            <p:nvPr/>
-          </p:nvSpPr>
-          <p:spPr>
-            <a:xfrm>
-              <a:off x="4142700" y="2864550"/>
-              <a:ext cx="1103400" cy="292500"/>
-            </a:xfrm>
-            <a:prstGeom prst="rect">
-              <a:avLst/>
-            </a:prstGeom>
-            <a:noFill/>
-            <a:ln>
-              <a:noFill/>
-            </a:ln>
-          </p:spPr>
-          <p:txBody>
-            <a:bodyPr anchorCtr="0" anchor="t" bIns="91425" lIns="91425" spcFirstLastPara="1" rIns="91425" wrap="square" tIns="91425">
-              <a:spAutoFit/>
-            </a:bodyPr>
-            <a:lstStyle/>
-            <a:p>
-              <a:pPr indent="0" lvl="0" marL="0" rtl="0" algn="l">
-                <a:spcBef>
-                  <a:spcPts val="0"/>
-                </a:spcBef>
-                <a:spcAft>
-                  <a:spcPts val="0"/>
-                </a:spcAft>
-                <a:buNone/>
-              </a:pPr>
-              <a:r>
-                <a:rPr lang="en" sz="700"/>
-                <a:t>Accelerometer Y (FTT)</a:t>
-              </a:r>
-              <a:endParaRPr sz="700"/>
-            </a:p>
-          </p:txBody>
-        </p:sp>
-        <p:sp>
-          <p:nvSpPr>
-            <p:cNvPr id="113" name="Google Shape;113;p15"/>
-            <p:cNvSpPr txBox="1"/>
-            <p:nvPr/>
-          </p:nvSpPr>
-          <p:spPr>
-            <a:xfrm>
-              <a:off x="4142700" y="3030650"/>
-              <a:ext cx="1103400" cy="292500"/>
-            </a:xfrm>
-            <a:prstGeom prst="rect">
-              <a:avLst/>
-            </a:prstGeom>
-            <a:noFill/>
-            <a:ln>
-              <a:noFill/>
-            </a:ln>
-          </p:spPr>
-          <p:txBody>
-            <a:bodyPr anchorCtr="0" anchor="t" bIns="91425" lIns="91425" spcFirstLastPara="1" rIns="91425" wrap="square" tIns="91425">
-              <a:spAutoFit/>
-            </a:bodyPr>
-            <a:lstStyle/>
-            <a:p>
-              <a:pPr indent="0" lvl="0" marL="0" rtl="0" algn="l">
-                <a:spcBef>
-                  <a:spcPts val="0"/>
-                </a:spcBef>
-                <a:spcAft>
-                  <a:spcPts val="0"/>
-                </a:spcAft>
-                <a:buNone/>
-              </a:pPr>
-              <a:r>
-                <a:rPr lang="en" sz="700"/>
-                <a:t>Accelerometer Z (FTT)</a:t>
-              </a:r>
-              <a:endParaRPr sz="700"/>
-            </a:p>
-          </p:txBody>
-        </p:sp>
-      </p:grpSp>
+          </a:ln>
+        </p:spPr>
+        <p:txBody>
+          <a:bodyPr anchorCtr="0" anchor="t" bIns="91425" lIns="91425" spcFirstLastPara="1" rIns="91425" wrap="square" tIns="91425">
+            <a:spAutoFit/>
+          </a:bodyPr>
+          <a:lstStyle/>
+          <a:p>
+            <a:pPr indent="0" lvl="0" marL="0" rtl="0" algn="l">
+              <a:spcBef>
+                <a:spcPts val="0"/>
+              </a:spcBef>
+              <a:spcAft>
+                <a:spcPts val="0"/>
+              </a:spcAft>
+              <a:buNone/>
+            </a:pPr>
+            <a:r>
+              <a:rPr lang="en" sz="900"/>
+              <a:t>Feature Extraction</a:t>
+            </a:r>
+            <a:endParaRPr sz="900"/>
+          </a:p>
+        </p:txBody>
+      </p:sp>
       <p:grpSp>
         <p:nvGrpSpPr>
           <p:cNvPr id="114" name="Google Shape;114;p15"/>
@@ -8545,10 +8441,10 @@
         </p:nvGrpSpPr>
         <p:grpSpPr>
           <a:xfrm>
-            <a:off x="2864850" y="3873459"/>
-            <a:ext cx="1780650" cy="509466"/>
-            <a:chOff x="2864850" y="4025859"/>
-            <a:chExt cx="1780650" cy="509466"/>
+            <a:off x="2777045" y="2022163"/>
+            <a:ext cx="1948800" cy="2234324"/>
+            <a:chOff x="2711103" y="2168701"/>
+            <a:chExt cx="1948800" cy="2234324"/>
           </a:xfrm>
         </p:grpSpPr>
         <p:sp>
@@ -8559,14 +8455,14 @@
           </p:nvSpPr>
           <p:spPr>
             <a:xfrm>
-              <a:off x="2872177" y="4099794"/>
-              <a:ext cx="446925" cy="144625"/>
+              <a:off x="2758650" y="3618663"/>
+              <a:ext cx="1853700" cy="174000"/>
             </a:xfrm>
-            <a:prstGeom prst="flowChartInputOutput">
+            <a:prstGeom prst="rect">
               <a:avLst/>
             </a:prstGeom>
             <a:solidFill>
-              <a:srgbClr val="D9EAD3"/>
+              <a:srgbClr val="C9DAF8"/>
             </a:solidFill>
             <a:ln cap="flat" cmpd="sng" w="9525">
               <a:solidFill>
@@ -8608,10 +8504,10 @@
           </p:nvSpPr>
           <p:spPr>
             <a:xfrm>
-              <a:off x="2864850" y="4307873"/>
-              <a:ext cx="446925" cy="144625"/>
+              <a:off x="2758650" y="3400544"/>
+              <a:ext cx="1853700" cy="174000"/>
             </a:xfrm>
-            <a:prstGeom prst="flowChartInputOutput">
+            <a:prstGeom prst="rect">
               <a:avLst/>
             </a:prstGeom>
             <a:solidFill>
@@ -8652,13 +8548,464 @@
         <p:sp>
           <p:nvSpPr>
             <p:cNvPr id="117" name="Google Shape;117;p15"/>
+            <p:cNvSpPr/>
+            <p:nvPr/>
+          </p:nvSpPr>
+          <p:spPr>
+            <a:xfrm>
+              <a:off x="2758638" y="3182421"/>
+              <a:ext cx="1853700" cy="174000"/>
+            </a:xfrm>
+            <a:prstGeom prst="rect">
+              <a:avLst/>
+            </a:prstGeom>
+            <a:solidFill>
+              <a:srgbClr val="C9DAF8"/>
+            </a:solidFill>
+            <a:ln cap="flat" cmpd="sng" w="9525">
+              <a:solidFill>
+                <a:schemeClr val="dk2"/>
+              </a:solidFill>
+              <a:prstDash val="solid"/>
+              <a:round/>
+              <a:headEnd len="sm" w="sm" type="none"/>
+              <a:tailEnd len="sm" w="sm" type="none"/>
+            </a:ln>
+          </p:spPr>
+          <p:txBody>
+            <a:bodyPr anchorCtr="0" anchor="ctr" bIns="91425" lIns="91425" spcFirstLastPara="1" rIns="91425" wrap="square" tIns="91425">
+              <a:noAutofit/>
+            </a:bodyPr>
+            <a:lstStyle/>
+            <a:p>
+              <a:pPr indent="0" lvl="0" marL="0" rtl="0" algn="l">
+                <a:spcBef>
+                  <a:spcPts val="0"/>
+                </a:spcBef>
+                <a:spcAft>
+                  <a:spcPts val="0"/>
+                </a:spcAft>
+                <a:buNone/>
+              </a:pPr>
+              <a:r>
+                <a:t/>
+              </a:r>
+              <a:endParaRPr/>
+            </a:p>
+          </p:txBody>
+        </p:sp>
+        <p:sp>
+          <p:nvSpPr>
+            <p:cNvPr id="118" name="Google Shape;118;p15"/>
             <p:cNvSpPr txBox="1"/>
             <p:nvPr/>
           </p:nvSpPr>
           <p:spPr>
             <a:xfrm>
-              <a:off x="3245827" y="4025859"/>
-              <a:ext cx="1287900" cy="292500"/>
+              <a:off x="2711103" y="2168701"/>
+              <a:ext cx="1948800" cy="431100"/>
+            </a:xfrm>
+            <a:prstGeom prst="rect">
+              <a:avLst/>
+            </a:prstGeom>
+            <a:noFill/>
+            <a:ln>
+              <a:noFill/>
+            </a:ln>
+          </p:spPr>
+          <p:txBody>
+            <a:bodyPr anchorCtr="0" anchor="t" bIns="91425" lIns="91425" spcFirstLastPara="1" rIns="91425" wrap="square" tIns="91425">
+              <a:spAutoFit/>
+            </a:bodyPr>
+            <a:lstStyle/>
+            <a:p>
+              <a:pPr indent="0" lvl="0" marL="0" rtl="0" algn="ctr">
+                <a:spcBef>
+                  <a:spcPts val="0"/>
+                </a:spcBef>
+                <a:spcAft>
+                  <a:spcPts val="0"/>
+                </a:spcAft>
+                <a:buNone/>
+              </a:pPr>
+              <a:r>
+                <a:rPr lang="en" sz="800"/>
+                <a:t>50 elements per sequence / channel </a:t>
+              </a:r>
+              <a:endParaRPr sz="800"/>
+            </a:p>
+            <a:p>
+              <a:pPr indent="0" lvl="0" marL="0" rtl="0" algn="ctr">
+                <a:spcBef>
+                  <a:spcPts val="0"/>
+                </a:spcBef>
+                <a:spcAft>
+                  <a:spcPts val="0"/>
+                </a:spcAft>
+                <a:buNone/>
+              </a:pPr>
+              <a:r>
+                <a:rPr lang="en" sz="800"/>
+                <a:t>(each grid is a time step)</a:t>
+              </a:r>
+              <a:endParaRPr sz="800"/>
+            </a:p>
+          </p:txBody>
+        </p:sp>
+        <p:grpSp>
+          <p:nvGrpSpPr>
+            <p:cNvPr id="119" name="Google Shape;119;p15"/>
+            <p:cNvGrpSpPr/>
+            <p:nvPr/>
+          </p:nvGrpSpPr>
+          <p:grpSpPr>
+            <a:xfrm>
+              <a:off x="3144588" y="3860834"/>
+              <a:ext cx="1407000" cy="542191"/>
+              <a:chOff x="3238500" y="4025859"/>
+              <a:chExt cx="1407000" cy="542191"/>
+            </a:xfrm>
+          </p:grpSpPr>
+          <p:sp>
+            <p:nvSpPr>
+              <p:cNvPr id="120" name="Google Shape;120;p15"/>
+              <p:cNvSpPr txBox="1"/>
+              <p:nvPr/>
+            </p:nvSpPr>
+            <p:spPr>
+              <a:xfrm>
+                <a:off x="3245827" y="4025859"/>
+                <a:ext cx="1287900" cy="292500"/>
+              </a:xfrm>
+              <a:prstGeom prst="rect">
+                <a:avLst/>
+              </a:prstGeom>
+              <a:noFill/>
+              <a:ln>
+                <a:noFill/>
+              </a:ln>
+            </p:spPr>
+            <p:txBody>
+              <a:bodyPr anchorCtr="0" anchor="t" bIns="91425" lIns="91425" spcFirstLastPara="1" rIns="91425" wrap="square" tIns="91425">
+                <a:spAutoFit/>
+              </a:bodyPr>
+              <a:lstStyle/>
+              <a:p>
+                <a:pPr indent="0" lvl="0" marL="0" rtl="0" algn="l">
+                  <a:spcBef>
+                    <a:spcPts val="0"/>
+                  </a:spcBef>
+                  <a:spcAft>
+                    <a:spcPts val="0"/>
+                  </a:spcAft>
+                  <a:buNone/>
+                </a:pPr>
+                <a:r>
+                  <a:rPr lang="en" sz="700"/>
+                  <a:t>Signals at time domain</a:t>
+                </a:r>
+                <a:endParaRPr sz="700"/>
+              </a:p>
+            </p:txBody>
+          </p:sp>
+          <p:sp>
+            <p:nvSpPr>
+              <p:cNvPr id="121" name="Google Shape;121;p15"/>
+              <p:cNvSpPr txBox="1"/>
+              <p:nvPr/>
+            </p:nvSpPr>
+            <p:spPr>
+              <a:xfrm>
+                <a:off x="3238500" y="4275550"/>
+                <a:ext cx="1407000" cy="292500"/>
+              </a:xfrm>
+              <a:prstGeom prst="rect">
+                <a:avLst/>
+              </a:prstGeom>
+              <a:noFill/>
+              <a:ln>
+                <a:noFill/>
+              </a:ln>
+            </p:spPr>
+            <p:txBody>
+              <a:bodyPr anchorCtr="0" anchor="t" bIns="91425" lIns="91425" spcFirstLastPara="1" rIns="91425" wrap="square" tIns="91425">
+                <a:spAutoFit/>
+              </a:bodyPr>
+              <a:lstStyle/>
+              <a:p>
+                <a:pPr indent="0" lvl="0" marL="0" rtl="0" algn="l">
+                  <a:spcBef>
+                    <a:spcPts val="0"/>
+                  </a:spcBef>
+                  <a:spcAft>
+                    <a:spcPts val="0"/>
+                  </a:spcAft>
+                  <a:buNone/>
+                </a:pPr>
+                <a:r>
+                  <a:rPr lang="en" sz="700"/>
+                  <a:t>Signals at frequency domain</a:t>
+                </a:r>
+                <a:endParaRPr sz="700"/>
+              </a:p>
+            </p:txBody>
+          </p:sp>
+        </p:grpSp>
+        <p:sp>
+          <p:nvSpPr>
+            <p:cNvPr id="122" name="Google Shape;122;p15"/>
+            <p:cNvSpPr/>
+            <p:nvPr/>
+          </p:nvSpPr>
+          <p:spPr>
+            <a:xfrm>
+              <a:off x="2758650" y="2971613"/>
+              <a:ext cx="1853700" cy="174000"/>
+            </a:xfrm>
+            <a:prstGeom prst="rect">
+              <a:avLst/>
+            </a:prstGeom>
+            <a:solidFill>
+              <a:srgbClr val="D9EAD3"/>
+            </a:solidFill>
+            <a:ln cap="flat" cmpd="sng" w="9525">
+              <a:solidFill>
+                <a:schemeClr val="dk2"/>
+              </a:solidFill>
+              <a:prstDash val="solid"/>
+              <a:round/>
+              <a:headEnd len="sm" w="sm" type="none"/>
+              <a:tailEnd len="sm" w="sm" type="none"/>
+            </a:ln>
+          </p:spPr>
+          <p:txBody>
+            <a:bodyPr anchorCtr="0" anchor="ctr" bIns="91425" lIns="91425" spcFirstLastPara="1" rIns="91425" wrap="square" tIns="91425">
+              <a:noAutofit/>
+            </a:bodyPr>
+            <a:lstStyle/>
+            <a:p>
+              <a:pPr indent="0" lvl="0" marL="0" rtl="0" algn="l">
+                <a:spcBef>
+                  <a:spcPts val="0"/>
+                </a:spcBef>
+                <a:spcAft>
+                  <a:spcPts val="0"/>
+                </a:spcAft>
+                <a:buNone/>
+              </a:pPr>
+              <a:r>
+                <a:t/>
+              </a:r>
+              <a:endParaRPr/>
+            </a:p>
+          </p:txBody>
+        </p:sp>
+        <p:sp>
+          <p:nvSpPr>
+            <p:cNvPr id="123" name="Google Shape;123;p15"/>
+            <p:cNvSpPr/>
+            <p:nvPr/>
+          </p:nvSpPr>
+          <p:spPr>
+            <a:xfrm>
+              <a:off x="2758650" y="2759075"/>
+              <a:ext cx="1853700" cy="174000"/>
+            </a:xfrm>
+            <a:prstGeom prst="rect">
+              <a:avLst/>
+            </a:prstGeom>
+            <a:solidFill>
+              <a:srgbClr val="D9EAD3"/>
+            </a:solidFill>
+            <a:ln cap="flat" cmpd="sng" w="9525">
+              <a:solidFill>
+                <a:schemeClr val="dk2"/>
+              </a:solidFill>
+              <a:prstDash val="solid"/>
+              <a:round/>
+              <a:headEnd len="sm" w="sm" type="none"/>
+              <a:tailEnd len="sm" w="sm" type="none"/>
+            </a:ln>
+          </p:spPr>
+          <p:txBody>
+            <a:bodyPr anchorCtr="0" anchor="ctr" bIns="91425" lIns="91425" spcFirstLastPara="1" rIns="91425" wrap="square" tIns="91425">
+              <a:noAutofit/>
+            </a:bodyPr>
+            <a:lstStyle/>
+            <a:p>
+              <a:pPr indent="0" lvl="0" marL="0" rtl="0" algn="l">
+                <a:spcBef>
+                  <a:spcPts val="0"/>
+                </a:spcBef>
+                <a:spcAft>
+                  <a:spcPts val="0"/>
+                </a:spcAft>
+                <a:buNone/>
+              </a:pPr>
+              <a:r>
+                <a:t/>
+              </a:r>
+              <a:endParaRPr/>
+            </a:p>
+          </p:txBody>
+        </p:sp>
+        <p:sp>
+          <p:nvSpPr>
+            <p:cNvPr id="124" name="Google Shape;124;p15"/>
+            <p:cNvSpPr/>
+            <p:nvPr/>
+          </p:nvSpPr>
+          <p:spPr>
+            <a:xfrm>
+              <a:off x="2758650" y="2546513"/>
+              <a:ext cx="1853700" cy="174000"/>
+            </a:xfrm>
+            <a:prstGeom prst="rect">
+              <a:avLst/>
+            </a:prstGeom>
+            <a:solidFill>
+              <a:srgbClr val="D9EAD3"/>
+            </a:solidFill>
+            <a:ln cap="flat" cmpd="sng" w="9525">
+              <a:solidFill>
+                <a:schemeClr val="dk2"/>
+              </a:solidFill>
+              <a:prstDash val="solid"/>
+              <a:round/>
+              <a:headEnd len="sm" w="sm" type="none"/>
+              <a:tailEnd len="sm" w="sm" type="none"/>
+            </a:ln>
+          </p:spPr>
+          <p:txBody>
+            <a:bodyPr anchorCtr="0" anchor="ctr" bIns="91425" lIns="91425" spcFirstLastPara="1" rIns="91425" wrap="square" tIns="91425">
+              <a:noAutofit/>
+            </a:bodyPr>
+            <a:lstStyle/>
+            <a:p>
+              <a:pPr indent="0" lvl="0" marL="0" rtl="0" algn="ctr">
+                <a:spcBef>
+                  <a:spcPts val="0"/>
+                </a:spcBef>
+                <a:spcAft>
+                  <a:spcPts val="0"/>
+                </a:spcAft>
+                <a:buNone/>
+              </a:pPr>
+              <a:r>
+                <a:t/>
+              </a:r>
+              <a:endParaRPr/>
+            </a:p>
+          </p:txBody>
+        </p:sp>
+        <p:sp>
+          <p:nvSpPr>
+            <p:cNvPr id="125" name="Google Shape;125;p15"/>
+            <p:cNvSpPr/>
+            <p:nvPr/>
+          </p:nvSpPr>
+          <p:spPr>
+            <a:xfrm>
+              <a:off x="2758650" y="3927100"/>
+              <a:ext cx="358800" cy="174000"/>
+            </a:xfrm>
+            <a:prstGeom prst="rect">
+              <a:avLst/>
+            </a:prstGeom>
+            <a:solidFill>
+              <a:srgbClr val="D9EAD3"/>
+            </a:solidFill>
+            <a:ln cap="flat" cmpd="sng" w="9525">
+              <a:solidFill>
+                <a:schemeClr val="dk2"/>
+              </a:solidFill>
+              <a:prstDash val="solid"/>
+              <a:round/>
+              <a:headEnd len="sm" w="sm" type="none"/>
+              <a:tailEnd len="sm" w="sm" type="none"/>
+            </a:ln>
+          </p:spPr>
+          <p:txBody>
+            <a:bodyPr anchorCtr="0" anchor="ctr" bIns="91425" lIns="91425" spcFirstLastPara="1" rIns="91425" wrap="square" tIns="91425">
+              <a:noAutofit/>
+            </a:bodyPr>
+            <a:lstStyle/>
+            <a:p>
+              <a:pPr indent="0" lvl="0" marL="0" rtl="0" algn="l">
+                <a:spcBef>
+                  <a:spcPts val="0"/>
+                </a:spcBef>
+                <a:spcAft>
+                  <a:spcPts val="0"/>
+                </a:spcAft>
+                <a:buNone/>
+              </a:pPr>
+              <a:r>
+                <a:t/>
+              </a:r>
+              <a:endParaRPr/>
+            </a:p>
+          </p:txBody>
+        </p:sp>
+        <p:sp>
+          <p:nvSpPr>
+            <p:cNvPr id="126" name="Google Shape;126;p15"/>
+            <p:cNvSpPr/>
+            <p:nvPr/>
+          </p:nvSpPr>
+          <p:spPr>
+            <a:xfrm>
+              <a:off x="2758650" y="4169775"/>
+              <a:ext cx="358800" cy="174000"/>
+            </a:xfrm>
+            <a:prstGeom prst="rect">
+              <a:avLst/>
+            </a:prstGeom>
+            <a:solidFill>
+              <a:srgbClr val="C9DAF8"/>
+            </a:solidFill>
+            <a:ln cap="flat" cmpd="sng" w="9525">
+              <a:solidFill>
+                <a:schemeClr val="dk2"/>
+              </a:solidFill>
+              <a:prstDash val="solid"/>
+              <a:round/>
+              <a:headEnd len="sm" w="sm" type="none"/>
+              <a:tailEnd len="sm" w="sm" type="none"/>
+            </a:ln>
+          </p:spPr>
+          <p:txBody>
+            <a:bodyPr anchorCtr="0" anchor="ctr" bIns="91425" lIns="91425" spcFirstLastPara="1" rIns="91425" wrap="square" tIns="91425">
+              <a:noAutofit/>
+            </a:bodyPr>
+            <a:lstStyle/>
+            <a:p>
+              <a:pPr indent="0" lvl="0" marL="0" rtl="0" algn="l">
+                <a:spcBef>
+                  <a:spcPts val="0"/>
+                </a:spcBef>
+                <a:spcAft>
+                  <a:spcPts val="0"/>
+                </a:spcAft>
+                <a:buNone/>
+              </a:pPr>
+              <a:r>
+                <a:t/>
+              </a:r>
+              <a:endParaRPr/>
+            </a:p>
+          </p:txBody>
+        </p:sp>
+        <p:sp>
+          <p:nvSpPr>
+            <p:cNvPr id="127" name="Google Shape;127;p15"/>
+            <p:cNvSpPr txBox="1"/>
+            <p:nvPr/>
+          </p:nvSpPr>
+          <p:spPr>
+            <a:xfrm>
+              <a:off x="3252375" y="2487263"/>
+              <a:ext cx="858600" cy="292500"/>
             </a:xfrm>
             <a:prstGeom prst="rect">
               <a:avLst/>
@@ -8685,7 +9032,7 @@
               </a:pPr>
               <a:r>
                 <a:rPr lang="en" sz="700"/>
-                <a:t>Signals at time domain</a:t>
+                <a:t>Accelerometer X</a:t>
               </a:r>
               <a:endParaRPr sz="700"/>
             </a:p>
@@ -8693,14 +9040,14 @@
         </p:sp>
         <p:sp>
           <p:nvSpPr>
-            <p:cNvPr id="118" name="Google Shape;118;p15"/>
+            <p:cNvPr id="128" name="Google Shape;128;p15"/>
             <p:cNvSpPr txBox="1"/>
             <p:nvPr/>
           </p:nvSpPr>
           <p:spPr>
             <a:xfrm>
-              <a:off x="3238500" y="4242825"/>
-              <a:ext cx="1407000" cy="292500"/>
+              <a:off x="3252375" y="2699813"/>
+              <a:ext cx="858600" cy="292500"/>
             </a:xfrm>
             <a:prstGeom prst="rect">
               <a:avLst/>
@@ -8727,499 +9074,181 @@
               </a:pPr>
               <a:r>
                 <a:rPr lang="en" sz="700"/>
-                <a:t>Signals at frequency domain</a:t>
+                <a:t>Accelerometer Y</a:t>
+              </a:r>
+              <a:endParaRPr sz="700"/>
+            </a:p>
+          </p:txBody>
+        </p:sp>
+        <p:sp>
+          <p:nvSpPr>
+            <p:cNvPr id="129" name="Google Shape;129;p15"/>
+            <p:cNvSpPr txBox="1"/>
+            <p:nvPr/>
+          </p:nvSpPr>
+          <p:spPr>
+            <a:xfrm>
+              <a:off x="3256200" y="2914288"/>
+              <a:ext cx="858600" cy="292500"/>
+            </a:xfrm>
+            <a:prstGeom prst="rect">
+              <a:avLst/>
+            </a:prstGeom>
+            <a:noFill/>
+            <a:ln>
+              <a:noFill/>
+            </a:ln>
+          </p:spPr>
+          <p:txBody>
+            <a:bodyPr anchorCtr="0" anchor="t" bIns="91425" lIns="91425" spcFirstLastPara="1" rIns="91425" wrap="square" tIns="91425">
+              <a:spAutoFit/>
+            </a:bodyPr>
+            <a:lstStyle/>
+            <a:p>
+              <a:pPr indent="0" lvl="0" marL="0" rtl="0" algn="l">
+                <a:spcBef>
+                  <a:spcPts val="0"/>
+                </a:spcBef>
+                <a:spcAft>
+                  <a:spcPts val="0"/>
+                </a:spcAft>
+                <a:buNone/>
+              </a:pPr>
+              <a:r>
+                <a:rPr lang="en" sz="700"/>
+                <a:t>Accelerometer Z</a:t>
+              </a:r>
+              <a:endParaRPr sz="700"/>
+            </a:p>
+          </p:txBody>
+        </p:sp>
+        <p:sp>
+          <p:nvSpPr>
+            <p:cNvPr id="130" name="Google Shape;130;p15"/>
+            <p:cNvSpPr txBox="1"/>
+            <p:nvPr/>
+          </p:nvSpPr>
+          <p:spPr>
+            <a:xfrm>
+              <a:off x="3155781" y="3122286"/>
+              <a:ext cx="1103400" cy="292500"/>
+            </a:xfrm>
+            <a:prstGeom prst="rect">
+              <a:avLst/>
+            </a:prstGeom>
+            <a:noFill/>
+            <a:ln>
+              <a:noFill/>
+            </a:ln>
+          </p:spPr>
+          <p:txBody>
+            <a:bodyPr anchorCtr="0" anchor="t" bIns="91425" lIns="91425" spcFirstLastPara="1" rIns="91425" wrap="square" tIns="91425">
+              <a:spAutoFit/>
+            </a:bodyPr>
+            <a:lstStyle/>
+            <a:p>
+              <a:pPr indent="0" lvl="0" marL="0" rtl="0" algn="l">
+                <a:spcBef>
+                  <a:spcPts val="0"/>
+                </a:spcBef>
+                <a:spcAft>
+                  <a:spcPts val="0"/>
+                </a:spcAft>
+                <a:buNone/>
+              </a:pPr>
+              <a:r>
+                <a:rPr lang="en" sz="700"/>
+                <a:t>Accelerometer X (FTT)</a:t>
+              </a:r>
+              <a:endParaRPr sz="700"/>
+            </a:p>
+          </p:txBody>
+        </p:sp>
+        <p:sp>
+          <p:nvSpPr>
+            <p:cNvPr id="131" name="Google Shape;131;p15"/>
+            <p:cNvSpPr txBox="1"/>
+            <p:nvPr/>
+          </p:nvSpPr>
+          <p:spPr>
+            <a:xfrm>
+              <a:off x="3155781" y="3341313"/>
+              <a:ext cx="1103400" cy="292500"/>
+            </a:xfrm>
+            <a:prstGeom prst="rect">
+              <a:avLst/>
+            </a:prstGeom>
+            <a:noFill/>
+            <a:ln>
+              <a:noFill/>
+            </a:ln>
+          </p:spPr>
+          <p:txBody>
+            <a:bodyPr anchorCtr="0" anchor="t" bIns="91425" lIns="91425" spcFirstLastPara="1" rIns="91425" wrap="square" tIns="91425">
+              <a:spAutoFit/>
+            </a:bodyPr>
+            <a:lstStyle/>
+            <a:p>
+              <a:pPr indent="0" lvl="0" marL="0" rtl="0" algn="l">
+                <a:spcBef>
+                  <a:spcPts val="0"/>
+                </a:spcBef>
+                <a:spcAft>
+                  <a:spcPts val="0"/>
+                </a:spcAft>
+                <a:buNone/>
+              </a:pPr>
+              <a:r>
+                <a:rPr lang="en" sz="700"/>
+                <a:t>Accelerometer Y (FTT)</a:t>
+              </a:r>
+              <a:endParaRPr sz="700"/>
+            </a:p>
+          </p:txBody>
+        </p:sp>
+        <p:sp>
+          <p:nvSpPr>
+            <p:cNvPr id="132" name="Google Shape;132;p15"/>
+            <p:cNvSpPr txBox="1"/>
+            <p:nvPr/>
+          </p:nvSpPr>
+          <p:spPr>
+            <a:xfrm>
+              <a:off x="3155775" y="3544713"/>
+              <a:ext cx="1103400" cy="292500"/>
+            </a:xfrm>
+            <a:prstGeom prst="rect">
+              <a:avLst/>
+            </a:prstGeom>
+            <a:noFill/>
+            <a:ln>
+              <a:noFill/>
+            </a:ln>
+          </p:spPr>
+          <p:txBody>
+            <a:bodyPr anchorCtr="0" anchor="t" bIns="91425" lIns="91425" spcFirstLastPara="1" rIns="91425" wrap="square" tIns="91425">
+              <a:spAutoFit/>
+            </a:bodyPr>
+            <a:lstStyle/>
+            <a:p>
+              <a:pPr indent="0" lvl="0" marL="0" rtl="0" algn="l">
+                <a:spcBef>
+                  <a:spcPts val="0"/>
+                </a:spcBef>
+                <a:spcAft>
+                  <a:spcPts val="0"/>
+                </a:spcAft>
+                <a:buNone/>
+              </a:pPr>
+              <a:r>
+                <a:rPr lang="en" sz="700"/>
+                <a:t>Accelerometer Z (FTT)</a:t>
               </a:r>
               <a:endParaRPr sz="700"/>
             </a:p>
           </p:txBody>
         </p:sp>
       </p:grpSp>
-      <p:cxnSp>
-        <p:nvCxnSpPr>
-          <p:cNvPr id="119" name="Google Shape;119;p15"/>
-          <p:cNvCxnSpPr/>
-          <p:nvPr/>
-        </p:nvCxnSpPr>
-        <p:spPr>
-          <a:xfrm>
-            <a:off x="1425000" y="3045463"/>
-            <a:ext cx="406800" cy="2400"/>
-          </a:xfrm>
-          <a:prstGeom prst="straightConnector1">
-            <a:avLst/>
-          </a:prstGeom>
-          <a:noFill/>
-          <a:ln cap="flat" cmpd="sng" w="9525">
-            <a:solidFill>
-              <a:schemeClr val="dk2"/>
-            </a:solidFill>
-            <a:prstDash val="dash"/>
-            <a:round/>
-            <a:headEnd len="med" w="med" type="none"/>
-            <a:tailEnd len="med" w="med" type="none"/>
-          </a:ln>
-        </p:spPr>
-      </p:cxnSp>
-      <p:cxnSp>
-        <p:nvCxnSpPr>
-          <p:cNvPr id="120" name="Google Shape;120;p15"/>
-          <p:cNvCxnSpPr/>
-          <p:nvPr/>
-        </p:nvCxnSpPr>
-        <p:spPr>
-          <a:xfrm>
-            <a:off x="1425000" y="3858338"/>
-            <a:ext cx="406800" cy="2400"/>
-          </a:xfrm>
-          <a:prstGeom prst="straightConnector1">
-            <a:avLst/>
-          </a:prstGeom>
-          <a:noFill/>
-          <a:ln cap="flat" cmpd="sng" w="9525">
-            <a:solidFill>
-              <a:schemeClr val="dk2"/>
-            </a:solidFill>
-            <a:prstDash val="dash"/>
-            <a:round/>
-            <a:headEnd len="med" w="med" type="none"/>
-            <a:tailEnd len="med" w="med" type="none"/>
-          </a:ln>
-        </p:spPr>
-      </p:cxnSp>
-      <p:cxnSp>
-        <p:nvCxnSpPr>
-          <p:cNvPr id="121" name="Google Shape;121;p15"/>
-          <p:cNvCxnSpPr/>
-          <p:nvPr/>
-        </p:nvCxnSpPr>
-        <p:spPr>
-          <a:xfrm>
-            <a:off x="1831800" y="3049710"/>
-            <a:ext cx="0" cy="806700"/>
-          </a:xfrm>
-          <a:prstGeom prst="straightConnector1">
-            <a:avLst/>
-          </a:prstGeom>
-          <a:noFill/>
-          <a:ln cap="flat" cmpd="sng" w="9525">
-            <a:solidFill>
-              <a:schemeClr val="dk2"/>
-            </a:solidFill>
-            <a:prstDash val="dash"/>
-            <a:round/>
-            <a:headEnd len="med" w="med" type="none"/>
-            <a:tailEnd len="med" w="med" type="none"/>
-          </a:ln>
-        </p:spPr>
-      </p:cxnSp>
-      <p:sp>
-        <p:nvSpPr>
-          <p:cNvPr id="122" name="Google Shape;122;p15"/>
-          <p:cNvSpPr txBox="1"/>
-          <p:nvPr/>
-        </p:nvSpPr>
-        <p:spPr>
-          <a:xfrm>
-            <a:off x="1784238" y="3597517"/>
-            <a:ext cx="578700" cy="292500"/>
-          </a:xfrm>
-          <a:prstGeom prst="rect">
-            <a:avLst/>
-          </a:prstGeom>
-          <a:noFill/>
-          <a:ln>
-            <a:noFill/>
-          </a:ln>
-        </p:spPr>
-        <p:txBody>
-          <a:bodyPr anchorCtr="0" anchor="t" bIns="91425" lIns="91425" spcFirstLastPara="1" rIns="91425" wrap="square" tIns="91425">
-            <a:spAutoFit/>
-          </a:bodyPr>
-          <a:lstStyle/>
-          <a:p>
-            <a:pPr indent="0" lvl="0" marL="0" rtl="0" algn="l">
-              <a:spcBef>
-                <a:spcPts val="0"/>
-              </a:spcBef>
-              <a:spcAft>
-                <a:spcPts val="0"/>
-              </a:spcAft>
-              <a:buNone/>
-            </a:pPr>
-            <a:r>
-              <a:rPr lang="en" sz="700"/>
-              <a:t>window 2</a:t>
-            </a:r>
-            <a:endParaRPr sz="700"/>
-          </a:p>
-        </p:txBody>
-      </p:sp>
-      <p:cxnSp>
-        <p:nvCxnSpPr>
-          <p:cNvPr id="123" name="Google Shape;123;p15"/>
-          <p:cNvCxnSpPr/>
-          <p:nvPr/>
-        </p:nvCxnSpPr>
-        <p:spPr>
-          <a:xfrm flipH="1" rot="10800000">
-            <a:off x="1831800" y="3626813"/>
-            <a:ext cx="395700" cy="2400"/>
-          </a:xfrm>
-          <a:prstGeom prst="straightConnector1">
-            <a:avLst/>
-          </a:prstGeom>
-          <a:noFill/>
-          <a:ln cap="flat" cmpd="sng" w="9525">
-            <a:solidFill>
-              <a:schemeClr val="dk2"/>
-            </a:solidFill>
-            <a:prstDash val="dash"/>
-            <a:round/>
-            <a:headEnd len="med" w="med" type="none"/>
-            <a:tailEnd len="med" w="med" type="stealth"/>
-          </a:ln>
-        </p:spPr>
-      </p:cxnSp>
-      <p:cxnSp>
-        <p:nvCxnSpPr>
-          <p:cNvPr id="124" name="Google Shape;124;p15"/>
-          <p:cNvCxnSpPr/>
-          <p:nvPr/>
-        </p:nvCxnSpPr>
-        <p:spPr>
-          <a:xfrm flipH="1" rot="10800000">
-            <a:off x="4941300" y="3007650"/>
-            <a:ext cx="578700" cy="900"/>
-          </a:xfrm>
-          <a:prstGeom prst="straightConnector1">
-            <a:avLst/>
-          </a:prstGeom>
-          <a:noFill/>
-          <a:ln cap="flat" cmpd="sng" w="9525">
-            <a:solidFill>
-              <a:schemeClr val="dk2"/>
-            </a:solidFill>
-            <a:prstDash val="solid"/>
-            <a:round/>
-            <a:headEnd len="med" w="med" type="none"/>
-            <a:tailEnd len="med" w="med" type="stealth"/>
-          </a:ln>
-        </p:spPr>
-      </p:cxnSp>
-      <p:sp>
-        <p:nvSpPr>
-          <p:cNvPr id="125" name="Google Shape;125;p15"/>
-          <p:cNvSpPr/>
-          <p:nvPr/>
-        </p:nvSpPr>
-        <p:spPr>
-          <a:xfrm>
-            <a:off x="5619750" y="2792550"/>
-            <a:ext cx="615300" cy="431100"/>
-          </a:xfrm>
-          <a:prstGeom prst="roundRect">
-            <a:avLst>
-              <a:gd fmla="val 16667" name="adj"/>
-            </a:avLst>
-          </a:prstGeom>
-          <a:solidFill>
-            <a:schemeClr val="lt2"/>
-          </a:solidFill>
-          <a:ln cap="flat" cmpd="sng" w="9525">
-            <a:solidFill>
-              <a:schemeClr val="dk2"/>
-            </a:solidFill>
-            <a:prstDash val="solid"/>
-            <a:round/>
-            <a:headEnd len="sm" w="sm" type="none"/>
-            <a:tailEnd len="sm" w="sm" type="none"/>
-          </a:ln>
-        </p:spPr>
-        <p:txBody>
-          <a:bodyPr anchorCtr="0" anchor="ctr" bIns="91425" lIns="91425" spcFirstLastPara="1" rIns="91425" wrap="square" tIns="91425">
-            <a:noAutofit/>
-          </a:bodyPr>
-          <a:lstStyle/>
-          <a:p>
-            <a:pPr indent="0" lvl="0" marL="0" rtl="0" algn="l">
-              <a:spcBef>
-                <a:spcPts val="0"/>
-              </a:spcBef>
-              <a:spcAft>
-                <a:spcPts val="0"/>
-              </a:spcAft>
-              <a:buNone/>
-            </a:pPr>
-            <a:r>
-              <a:rPr lang="en"/>
-              <a:t>CNN</a:t>
-            </a:r>
-            <a:endParaRPr/>
-          </a:p>
-        </p:txBody>
-      </p:sp>
-      <p:cxnSp>
-        <p:nvCxnSpPr>
-          <p:cNvPr id="126" name="Google Shape;126;p15"/>
-          <p:cNvCxnSpPr/>
-          <p:nvPr/>
-        </p:nvCxnSpPr>
-        <p:spPr>
-          <a:xfrm flipH="1" rot="10800000">
-            <a:off x="6294550" y="3007800"/>
-            <a:ext cx="697500" cy="600"/>
-          </a:xfrm>
-          <a:prstGeom prst="straightConnector1">
-            <a:avLst/>
-          </a:prstGeom>
-          <a:noFill/>
-          <a:ln cap="flat" cmpd="sng" w="9525">
-            <a:solidFill>
-              <a:schemeClr val="dk2"/>
-            </a:solidFill>
-            <a:prstDash val="solid"/>
-            <a:round/>
-            <a:headEnd len="med" w="med" type="none"/>
-            <a:tailEnd len="med" w="med" type="stealth"/>
-          </a:ln>
-        </p:spPr>
-      </p:cxnSp>
-      <p:sp>
-        <p:nvSpPr>
-          <p:cNvPr id="127" name="Google Shape;127;p15"/>
-          <p:cNvSpPr txBox="1"/>
-          <p:nvPr/>
-        </p:nvSpPr>
-        <p:spPr>
-          <a:xfrm>
-            <a:off x="7051550" y="2846550"/>
-            <a:ext cx="883500" cy="323100"/>
-          </a:xfrm>
-          <a:prstGeom prst="rect">
-            <a:avLst/>
-          </a:prstGeom>
-          <a:noFill/>
-          <a:ln>
-            <a:noFill/>
-          </a:ln>
-        </p:spPr>
-        <p:txBody>
-          <a:bodyPr anchorCtr="0" anchor="t" bIns="91425" lIns="91425" spcFirstLastPara="1" rIns="91425" wrap="square" tIns="91425">
-            <a:spAutoFit/>
-          </a:bodyPr>
-          <a:lstStyle/>
-          <a:p>
-            <a:pPr indent="0" lvl="0" marL="0" rtl="0" algn="l">
-              <a:spcBef>
-                <a:spcPts val="0"/>
-              </a:spcBef>
-              <a:spcAft>
-                <a:spcPts val="0"/>
-              </a:spcAft>
-              <a:buNone/>
-            </a:pPr>
-            <a:r>
-              <a:rPr lang="en" sz="900"/>
-              <a:t>Driver labels</a:t>
-            </a:r>
-            <a:endParaRPr sz="900"/>
-          </a:p>
-        </p:txBody>
-      </p:sp>
-      <p:cxnSp>
-        <p:nvCxnSpPr>
-          <p:cNvPr id="128" name="Google Shape;128;p15"/>
-          <p:cNvCxnSpPr/>
-          <p:nvPr/>
-        </p:nvCxnSpPr>
-        <p:spPr>
-          <a:xfrm>
-            <a:off x="5927400" y="3344200"/>
-            <a:ext cx="0" cy="582900"/>
-          </a:xfrm>
-          <a:prstGeom prst="straightConnector1">
-            <a:avLst/>
-          </a:prstGeom>
-          <a:noFill/>
-          <a:ln cap="flat" cmpd="sng" w="9525">
-            <a:solidFill>
-              <a:schemeClr val="dk2"/>
-            </a:solidFill>
-            <a:prstDash val="solid"/>
-            <a:round/>
-            <a:headEnd len="med" w="med" type="none"/>
-            <a:tailEnd len="med" w="med" type="none"/>
-          </a:ln>
-        </p:spPr>
-      </p:cxnSp>
-      <p:cxnSp>
-        <p:nvCxnSpPr>
-          <p:cNvPr id="129" name="Google Shape;129;p15"/>
-          <p:cNvCxnSpPr/>
-          <p:nvPr/>
-        </p:nvCxnSpPr>
-        <p:spPr>
-          <a:xfrm flipH="1" rot="10800000">
-            <a:off x="5923002" y="3920031"/>
-            <a:ext cx="1099200" cy="1800"/>
-          </a:xfrm>
-          <a:prstGeom prst="straightConnector1">
-            <a:avLst/>
-          </a:prstGeom>
-          <a:noFill/>
-          <a:ln cap="flat" cmpd="sng" w="9525">
-            <a:solidFill>
-              <a:schemeClr val="dk2"/>
-            </a:solidFill>
-            <a:prstDash val="solid"/>
-            <a:round/>
-            <a:headEnd len="med" w="med" type="none"/>
-            <a:tailEnd len="med" w="med" type="stealth"/>
-          </a:ln>
-        </p:spPr>
-      </p:cxnSp>
-      <p:sp>
-        <p:nvSpPr>
-          <p:cNvPr id="130" name="Google Shape;130;p15"/>
-          <p:cNvSpPr txBox="1"/>
-          <p:nvPr/>
-        </p:nvSpPr>
-        <p:spPr>
-          <a:xfrm>
-            <a:off x="5927400" y="3860813"/>
-            <a:ext cx="1209000" cy="461700"/>
-          </a:xfrm>
-          <a:prstGeom prst="rect">
-            <a:avLst/>
-          </a:prstGeom>
-          <a:noFill/>
-          <a:ln>
-            <a:noFill/>
-          </a:ln>
-        </p:spPr>
-        <p:txBody>
-          <a:bodyPr anchorCtr="0" anchor="t" bIns="91425" lIns="91425" spcFirstLastPara="1" rIns="91425" wrap="square" tIns="91425">
-            <a:spAutoFit/>
-          </a:bodyPr>
-          <a:lstStyle/>
-          <a:p>
-            <a:pPr indent="0" lvl="0" marL="0" rtl="0" algn="l">
-              <a:spcBef>
-                <a:spcPts val="0"/>
-              </a:spcBef>
-              <a:spcAft>
-                <a:spcPts val="0"/>
-              </a:spcAft>
-              <a:buNone/>
-            </a:pPr>
-            <a:r>
-              <a:rPr lang="en" sz="900"/>
-              <a:t>Output from </a:t>
-            </a:r>
-            <a:endParaRPr sz="900"/>
-          </a:p>
-          <a:p>
-            <a:pPr indent="0" lvl="0" marL="0" rtl="0" algn="l">
-              <a:spcBef>
-                <a:spcPts val="0"/>
-              </a:spcBef>
-              <a:spcAft>
-                <a:spcPts val="0"/>
-              </a:spcAft>
-              <a:buNone/>
-            </a:pPr>
-            <a:r>
-              <a:rPr lang="en" sz="900"/>
-              <a:t>last hidden layer </a:t>
-            </a:r>
-            <a:endParaRPr sz="900"/>
-          </a:p>
-        </p:txBody>
-      </p:sp>
-      <p:sp>
-        <p:nvSpPr>
-          <p:cNvPr id="131" name="Google Shape;131;p15"/>
-          <p:cNvSpPr txBox="1"/>
-          <p:nvPr/>
-        </p:nvSpPr>
-        <p:spPr>
-          <a:xfrm>
-            <a:off x="7051550" y="3708075"/>
-            <a:ext cx="1480200" cy="461700"/>
-          </a:xfrm>
-          <a:prstGeom prst="rect">
-            <a:avLst/>
-          </a:prstGeom>
-          <a:noFill/>
-          <a:ln>
-            <a:noFill/>
-          </a:ln>
-        </p:spPr>
-        <p:txBody>
-          <a:bodyPr anchorCtr="0" anchor="t" bIns="91425" lIns="91425" spcFirstLastPara="1" rIns="91425" wrap="square" tIns="91425">
-            <a:spAutoFit/>
-          </a:bodyPr>
-          <a:lstStyle/>
-          <a:p>
-            <a:pPr indent="0" lvl="0" marL="0" rtl="0" algn="l">
-              <a:spcBef>
-                <a:spcPts val="0"/>
-              </a:spcBef>
-              <a:spcAft>
-                <a:spcPts val="0"/>
-              </a:spcAft>
-              <a:buNone/>
-            </a:pPr>
-            <a:r>
-              <a:rPr lang="en" sz="900"/>
-              <a:t>Driving behavior features for more complex tasks</a:t>
-            </a:r>
-            <a:endParaRPr sz="900"/>
-          </a:p>
-        </p:txBody>
-      </p:sp>
-      <p:sp>
-        <p:nvSpPr>
-          <p:cNvPr id="132" name="Google Shape;132;p15"/>
-          <p:cNvSpPr txBox="1"/>
-          <p:nvPr/>
-        </p:nvSpPr>
-        <p:spPr>
-          <a:xfrm>
-            <a:off x="5927400" y="3465057"/>
-            <a:ext cx="1209000" cy="323100"/>
-          </a:xfrm>
-          <a:prstGeom prst="rect">
-            <a:avLst/>
-          </a:prstGeom>
-          <a:noFill/>
-          <a:ln>
-            <a:noFill/>
-          </a:ln>
-        </p:spPr>
-        <p:txBody>
-          <a:bodyPr anchorCtr="0" anchor="t" bIns="91425" lIns="91425" spcFirstLastPara="1" rIns="91425" wrap="square" tIns="91425">
-            <a:spAutoFit/>
-          </a:bodyPr>
-          <a:lstStyle/>
-          <a:p>
-            <a:pPr indent="0" lvl="0" marL="0" rtl="0" algn="l">
-              <a:spcBef>
-                <a:spcPts val="0"/>
-              </a:spcBef>
-              <a:spcAft>
-                <a:spcPts val="0"/>
-              </a:spcAft>
-              <a:buNone/>
-            </a:pPr>
-            <a:r>
-              <a:rPr lang="en" sz="900"/>
-              <a:t>Feature Extraction</a:t>
-            </a:r>
-            <a:endParaRPr sz="900"/>
-          </a:p>
-        </p:txBody>
-      </p:sp>
     </p:spTree>
   </p:cSld>
   <p:clrMapOvr>
